--- a/01_FoundationProjects/RCC11_Hybrid_Robot_Car_IR_NRF/RCC11_Hybrid_Robot_Car_IR_NRF.pptx
+++ b/01_FoundationProjects/RCC11_Hybrid_Robot_Car_IR_NRF/RCC11_Hybrid_Robot_Car_IR_NRF.pptx
@@ -206,7 +206,7 @@
           <a:p>
             <a:fld id="{2A311A46-23A7-4CAD-863D-6397CDAD4FD2}" type="datetimeFigureOut">
               <a:rPr lang="en-GB" smtClean="0"/>
-              <a:t>11/01/2026</a:t>
+              <a:t>17/01/2026</a:t>
             </a:fld>
             <a:endParaRPr lang="en-GB"/>
           </a:p>
@@ -9336,7 +9336,7 @@
         </p:nvSpPr>
         <p:spPr bwMode="auto">
           <a:xfrm>
-            <a:off x="6420465" y="5339202"/>
+            <a:off x="6174658" y="4420312"/>
             <a:ext cx="5771535" cy="338554"/>
           </a:xfrm>
           <a:prstGeom prst="rect">
@@ -9450,7 +9450,7 @@
             <a:r>
               <a:rPr lang="en-GB" sz="1600" b="1" dirty="0">
                 <a:solidFill>
-                  <a:srgbClr val="00B0F0"/>
+                  <a:srgbClr val="FFFF00"/>
                 </a:solidFill>
               </a:rPr>
               <a:t>Code for Lesson RCC11 (RCC11_a_IR_Remore_Code_Tx.ino):</a:t>
@@ -9472,8 +9472,8 @@
         </p:nvSpPr>
         <p:spPr>
           <a:xfrm>
-            <a:off x="6510130" y="5923977"/>
-            <a:ext cx="4885191" cy="307777"/>
+            <a:off x="6262713" y="4878588"/>
+            <a:ext cx="4885191" cy="954107"/>
           </a:xfrm>
           <a:prstGeom prst="rect">
             <a:avLst/>
@@ -9585,7 +9585,14 @@
             </a:lvl9pPr>
           </a:lstStyle>
           <a:p>
-            <a:endParaRPr lang="en-GB" dirty="0"/>
+            <a:r>
+              <a:rPr lang="en-GB" dirty="0">
+                <a:solidFill>
+                  <a:srgbClr val="FFFF00"/>
+                </a:solidFill>
+              </a:rPr>
+              <a:t>https://github.com/info-zas/zas-robotics-car-2-communications/blob/main/01_FoundationProjects/RCC11_Hybrid_Robot_Car_IR_NRF/RCC11_a_IR_Remore_Code_Tx/RCC11_a_IR_Remore_Code_Tx.ino</a:t>
+            </a:r>
           </a:p>
         </p:txBody>
       </p:sp>
@@ -10545,7 +10552,7 @@
         </p:nvSpPr>
         <p:spPr bwMode="auto">
           <a:xfrm>
-            <a:off x="429601" y="5275455"/>
+            <a:off x="277940" y="3967765"/>
             <a:ext cx="5771535" cy="584775"/>
           </a:xfrm>
           <a:prstGeom prst="rect">
@@ -10694,8 +10701,8 @@
         </p:nvSpPr>
         <p:spPr>
           <a:xfrm>
-            <a:off x="429601" y="5981087"/>
-            <a:ext cx="4885191" cy="307777"/>
+            <a:off x="409936" y="4619461"/>
+            <a:ext cx="4885191" cy="954107"/>
           </a:xfrm>
           <a:prstGeom prst="rect">
             <a:avLst/>
@@ -10807,7 +10814,14 @@
             </a:lvl9pPr>
           </a:lstStyle>
           <a:p>
-            <a:endParaRPr lang="en-GB" dirty="0"/>
+            <a:r>
+              <a:rPr lang="en-GB" dirty="0">
+                <a:solidFill>
+                  <a:srgbClr val="00B0F0"/>
+                </a:solidFill>
+              </a:rPr>
+              <a:t>https://github.com/info-zas/zas-robotics-car-2-communications/blob/main/01_FoundationProjects/RCC11_Hybrid_Robot_Car_IR_NRF/RCC11_b_Hybrid_Robot_Car_IR_NRF_Tx/RCC11_b_Hybrid_Robot_Car_IR_NRF_Tx.ino</a:t>
+            </a:r>
           </a:p>
         </p:txBody>
       </p:sp>
@@ -10830,7 +10844,7 @@
         <p:spPr>
           <a:xfrm>
             <a:off x="48431" y="1549877"/>
-            <a:ext cx="4749711" cy="4351338"/>
+            <a:ext cx="4749711" cy="2068394"/>
           </a:xfrm>
         </p:spPr>
         <p:txBody>
@@ -10849,49 +10863,6 @@
                 </a:solidFill>
               </a:rPr>
               <a:t>Now that we have the code for the arrow keys of the remote, we can use them in the code the transmitter.</a:t>
-            </a:r>
-          </a:p>
-          <a:p>
-            <a:pPr marL="0" indent="0">
-              <a:buNone/>
-            </a:pPr>
-            <a:endParaRPr lang="en-GB" b="1" dirty="0">
-              <a:solidFill>
-                <a:srgbClr val="FFFF00"/>
-              </a:solidFill>
-            </a:endParaRPr>
-          </a:p>
-          <a:p>
-            <a:pPr marL="0" indent="0">
-              <a:buNone/>
-            </a:pPr>
-            <a:endParaRPr lang="en-GB" b="1" dirty="0">
-              <a:solidFill>
-                <a:srgbClr val="FFFF00"/>
-              </a:solidFill>
-            </a:endParaRPr>
-          </a:p>
-          <a:p>
-            <a:pPr marL="0" indent="0">
-              <a:buNone/>
-            </a:pPr>
-            <a:endParaRPr lang="en-GB" b="1" dirty="0">
-              <a:solidFill>
-                <a:srgbClr val="FFFF00"/>
-              </a:solidFill>
-            </a:endParaRPr>
-          </a:p>
-          <a:p>
-            <a:pPr marL="0" indent="0">
-              <a:buNone/>
-            </a:pPr>
-            <a:r>
-              <a:rPr lang="en-GB" b="1" dirty="0">
-                <a:solidFill>
-                  <a:srgbClr val="FFFF00"/>
-                </a:solidFill>
-              </a:rPr>
-              <a:t> </a:t>
             </a:r>
           </a:p>
         </p:txBody>
@@ -11131,7 +11102,7 @@
         </p:nvSpPr>
         <p:spPr bwMode="auto">
           <a:xfrm>
-            <a:off x="884906" y="4719770"/>
+            <a:off x="974571" y="4001294"/>
             <a:ext cx="5771535" cy="338554"/>
           </a:xfrm>
           <a:prstGeom prst="rect">
@@ -11291,8 +11262,8 @@
         </p:nvSpPr>
         <p:spPr>
           <a:xfrm>
-            <a:off x="974571" y="5304545"/>
-            <a:ext cx="4885191" cy="307777"/>
+            <a:off x="1138804" y="4461895"/>
+            <a:ext cx="4885191" cy="954107"/>
           </a:xfrm>
           <a:prstGeom prst="rect">
             <a:avLst/>
@@ -11404,7 +11375,14 @@
             </a:lvl9pPr>
           </a:lstStyle>
           <a:p>
-            <a:endParaRPr lang="en-GB" dirty="0"/>
+            <a:r>
+              <a:rPr lang="en-GB" dirty="0">
+                <a:solidFill>
+                  <a:srgbClr val="00B0F0"/>
+                </a:solidFill>
+              </a:rPr>
+              <a:t>https://github.com/info-zas/zas-robotics-car-2-communications/blob/main/01_FoundationProjects/RCC11_Hybrid_Robot_Car_IR_NRF/RCC11_b_Hybrid_Robot_Car_IR_NRF_Rx/RCC11_b_Hybrid_Robot_Car_IR_NRF_Rx.ino</a:t>
+            </a:r>
           </a:p>
         </p:txBody>
       </p:sp>
